--- a/Documents/2013_12_20_알타리즈_지도 아르바이트_옥창훈.pptx
+++ b/Documents/2013_12_20_알타리즈_지도 아르바이트_옥창훈.pptx
@@ -9,8 +9,7 @@
     <p:sldId id="260" r:id="rId3"/>
     <p:sldId id="257" r:id="rId4"/>
     <p:sldId id="261" r:id="rId5"/>
-    <p:sldId id="256" r:id="rId6"/>
-    <p:sldId id="258" r:id="rId7"/>
+    <p:sldId id="258" r:id="rId6"/>
   </p:sldIdLst>
   <p:sldSz cx="9144000" cy="6858000" type="screen4x3"/>
   <p:notesSz cx="6858000" cy="9144000"/>
@@ -3211,7 +3210,7 @@
         </p:blipFill>
         <p:spPr>
           <a:xfrm>
-            <a:off x="1343585" y="1124744"/>
+            <a:off x="1115616" y="657708"/>
             <a:ext cx="4092511" cy="5489848"/>
           </a:xfrm>
           <a:prstGeom prst="rect">
@@ -8597,7 +8596,7 @@
           <a:p>
             <a:pPr lvl="0"/>
             <a:r>
-              <a:rPr lang="en-US" altLang="ko-KR" sz="1200" smtClean="0">
+              <a:rPr lang="en-US" altLang="ko-KR" sz="1200" dirty="0" smtClean="0">
                 <a:solidFill>
                   <a:prstClr val="black"/>
                 </a:solidFill>
@@ -8605,7 +8604,7 @@
               <a:t>X,1190 </a:t>
             </a:r>
             <a:r>
-              <a:rPr lang="en-US" altLang="ko-KR" sz="1200">
+              <a:rPr lang="en-US" altLang="ko-KR" sz="1200" dirty="0">
                 <a:solidFill>
                   <a:prstClr val="black"/>
                 </a:solidFill>
@@ -8739,2003 +8738,6 @@
 </file>
 
 <file path=ppt/slides/slide5.xml><?xml version="1.0" encoding="utf-8"?>
-<p:sld xmlns:a="http://schemas.openxmlformats.org/drawingml/2006/main" xmlns:r="http://schemas.openxmlformats.org/officeDocument/2006/relationships" xmlns:p="http://schemas.openxmlformats.org/presentationml/2006/main">
-  <p:cSld>
-    <p:spTree>
-      <p:nvGrpSpPr>
-        <p:cNvPr id="1" name=""/>
-        <p:cNvGrpSpPr/>
-        <p:nvPr/>
-      </p:nvGrpSpPr>
-      <p:grpSpPr>
-        <a:xfrm>
-          <a:off x="0" y="0"/>
-          <a:ext cx="0" cy="0"/>
-          <a:chOff x="0" y="0"/>
-          <a:chExt cx="0" cy="0"/>
-        </a:xfrm>
-      </p:grpSpPr>
-      <p:pic>
-        <p:nvPicPr>
-          <p:cNvPr id="1026" name="Picture 2" descr="C:\Users\miziing ch\Desktop\20131214_지도 키오스크용\지도 샘플 그림.png"/>
-          <p:cNvPicPr>
-            <a:picLocks noChangeAspect="1" noChangeArrowheads="1"/>
-          </p:cNvPicPr>
-          <p:nvPr/>
-        </p:nvPicPr>
-        <p:blipFill>
-          <a:blip r:embed="rId2" cstate="print"/>
-          <a:srcRect/>
-          <a:stretch>
-            <a:fillRect/>
-          </a:stretch>
-        </p:blipFill>
-        <p:spPr bwMode="auto">
-          <a:xfrm>
-            <a:off x="1262571" y="4352467"/>
-            <a:ext cx="1494380" cy="2004656"/>
-          </a:xfrm>
-          <a:prstGeom prst="rect">
-            <a:avLst/>
-          </a:prstGeom>
-          <a:noFill/>
-        </p:spPr>
-      </p:pic>
-      <p:sp>
-        <p:nvSpPr>
-          <p:cNvPr id="5" name="TextBox 4"/>
-          <p:cNvSpPr txBox="1"/>
-          <p:nvPr/>
-        </p:nvSpPr>
-        <p:spPr>
-          <a:xfrm>
-            <a:off x="5063088" y="606720"/>
-            <a:ext cx="1635384" cy="1785104"/>
-          </a:xfrm>
-          <a:prstGeom prst="rect">
-            <a:avLst/>
-          </a:prstGeom>
-          <a:noFill/>
-        </p:spPr>
-        <p:txBody>
-          <a:bodyPr wrap="none" rtlCol="0">
-            <a:spAutoFit/>
-          </a:bodyPr>
-          <a:lstStyle/>
-          <a:p>
-            <a:pPr algn="ctr"/>
-            <a:r>
-              <a:rPr lang="en-US" altLang="ko-KR" sz="1000" b="1" dirty="0"/>
-              <a:t>9</a:t>
-            </a:r>
-            <a:r>
-              <a:rPr lang="ko-KR" altLang="en-US" sz="1000" b="1" dirty="0"/>
-              <a:t>단계 </a:t>
-            </a:r>
-            <a:r>
-              <a:rPr lang="ko-KR" altLang="en-US" sz="1000" b="1" dirty="0" smtClean="0"/>
-              <a:t>축소</a:t>
-            </a:r>
-            <a:endParaRPr lang="en-US" altLang="ko-KR" sz="1000" b="1" dirty="0"/>
-          </a:p>
-          <a:p>
-            <a:pPr marL="342900" indent="-342900">
-              <a:buAutoNum type="arabicPeriod"/>
-            </a:pPr>
-            <a:endParaRPr lang="en-US" altLang="ko-KR" sz="1000" dirty="0" smtClean="0"/>
-          </a:p>
-          <a:p>
-            <a:pPr marL="342900" indent="-342900">
-              <a:buAutoNum type="arabicPeriod"/>
-            </a:pPr>
-            <a:r>
-              <a:rPr lang="en-US" altLang="ko-KR" sz="1000" dirty="0" smtClean="0"/>
-              <a:t>2000* 2683 (100%)</a:t>
-            </a:r>
-          </a:p>
-          <a:p>
-            <a:pPr marL="342900" indent="-342900">
-              <a:buAutoNum type="arabicPeriod"/>
-            </a:pPr>
-            <a:r>
-              <a:rPr lang="en-US" altLang="ko-KR" sz="1000" dirty="0" smtClean="0"/>
-              <a:t>1800*2415 (90%)</a:t>
-            </a:r>
-          </a:p>
-          <a:p>
-            <a:pPr marL="342900" indent="-342900">
-              <a:buAutoNum type="arabicPeriod"/>
-            </a:pPr>
-            <a:r>
-              <a:rPr lang="en-US" altLang="ko-KR" sz="1000" dirty="0" smtClean="0"/>
-              <a:t>1600*2146 (80%)</a:t>
-            </a:r>
-          </a:p>
-          <a:p>
-            <a:pPr marL="342900" indent="-342900">
-              <a:buAutoNum type="arabicPeriod"/>
-            </a:pPr>
-            <a:r>
-              <a:rPr lang="en-US" altLang="ko-KR" sz="1000" dirty="0" smtClean="0"/>
-              <a:t>1400*1878 (70%)</a:t>
-            </a:r>
-          </a:p>
-          <a:p>
-            <a:pPr marL="342900" indent="-342900">
-              <a:buFontTx/>
-              <a:buAutoNum type="arabicPeriod"/>
-            </a:pPr>
-            <a:r>
-              <a:rPr lang="en-US" altLang="ko-KR" sz="1000" dirty="0" smtClean="0"/>
-              <a:t>1200*1610 (60%)</a:t>
-            </a:r>
-          </a:p>
-          <a:p>
-            <a:pPr marL="342900" indent="-342900">
-              <a:buAutoNum type="arabicPeriod"/>
-            </a:pPr>
-            <a:r>
-              <a:rPr lang="en-US" altLang="ko-KR" sz="1000" dirty="0" smtClean="0"/>
-              <a:t>1000*1342 (50%)</a:t>
-            </a:r>
-          </a:p>
-          <a:p>
-            <a:pPr marL="342900" indent="-342900">
-              <a:buAutoNum type="arabicPeriod"/>
-            </a:pPr>
-            <a:r>
-              <a:rPr lang="en-US" altLang="ko-KR" sz="1000" dirty="0" smtClean="0"/>
-              <a:t>800*1073 (40%)</a:t>
-            </a:r>
-          </a:p>
-          <a:p>
-            <a:pPr marL="342900" indent="-342900">
-              <a:buAutoNum type="arabicPeriod"/>
-            </a:pPr>
-            <a:r>
-              <a:rPr lang="en-US" altLang="ko-KR" sz="1000" dirty="0" smtClean="0"/>
-              <a:t>600*805 (30%)</a:t>
-            </a:r>
-          </a:p>
-          <a:p>
-            <a:pPr marL="342900" indent="-342900">
-              <a:buAutoNum type="arabicPeriod"/>
-            </a:pPr>
-            <a:r>
-              <a:rPr lang="en-US" altLang="ko-KR" sz="1000" dirty="0" smtClean="0"/>
-              <a:t>400*537 (20%)</a:t>
-            </a:r>
-            <a:endParaRPr lang="ko-KR" altLang="en-US" sz="1000" dirty="0"/>
-          </a:p>
-        </p:txBody>
-      </p:sp>
-      <p:sp>
-        <p:nvSpPr>
-          <p:cNvPr id="2" name="Rectangle 1"/>
-          <p:cNvSpPr/>
-          <p:nvPr/>
-        </p:nvSpPr>
-        <p:spPr>
-          <a:xfrm>
-            <a:off x="179512" y="4077072"/>
-            <a:ext cx="4464496" cy="2555447"/>
-          </a:xfrm>
-          <a:prstGeom prst="rect">
-            <a:avLst/>
-          </a:prstGeom>
-          <a:noFill/>
-          <a:ln>
-            <a:solidFill>
-              <a:schemeClr val="tx1">
-                <a:lumMod val="95000"/>
-                <a:lumOff val="5000"/>
-              </a:schemeClr>
-            </a:solidFill>
-          </a:ln>
-        </p:spPr>
-        <p:style>
-          <a:lnRef idx="2">
-            <a:schemeClr val="accent1">
-              <a:shade val="50000"/>
-            </a:schemeClr>
-          </a:lnRef>
-          <a:fillRef idx="1">
-            <a:schemeClr val="accent1"/>
-          </a:fillRef>
-          <a:effectRef idx="0">
-            <a:schemeClr val="accent1"/>
-          </a:effectRef>
-          <a:fontRef idx="minor">
-            <a:schemeClr val="lt1"/>
-          </a:fontRef>
-        </p:style>
-        <p:txBody>
-          <a:bodyPr rtlCol="0" anchor="ctr"/>
-          <a:lstStyle/>
-          <a:p>
-            <a:pPr algn="ctr"/>
-            <a:endParaRPr lang="ko-KR" altLang="en-US"/>
-          </a:p>
-        </p:txBody>
-      </p:sp>
-      <p:sp>
-        <p:nvSpPr>
-          <p:cNvPr id="3" name="Rectangle 2"/>
-          <p:cNvSpPr/>
-          <p:nvPr/>
-        </p:nvSpPr>
-        <p:spPr>
-          <a:xfrm>
-            <a:off x="4283968" y="4121696"/>
-            <a:ext cx="288032" cy="1152128"/>
-          </a:xfrm>
-          <a:prstGeom prst="rect">
-            <a:avLst/>
-          </a:prstGeom>
-          <a:noFill/>
-          <a:ln>
-            <a:solidFill>
-              <a:schemeClr val="tx1"/>
-            </a:solidFill>
-          </a:ln>
-        </p:spPr>
-        <p:style>
-          <a:lnRef idx="2">
-            <a:schemeClr val="accent1">
-              <a:shade val="50000"/>
-            </a:schemeClr>
-          </a:lnRef>
-          <a:fillRef idx="1">
-            <a:schemeClr val="accent1"/>
-          </a:fillRef>
-          <a:effectRef idx="0">
-            <a:schemeClr val="accent1"/>
-          </a:effectRef>
-          <a:fontRef idx="minor">
-            <a:schemeClr val="lt1"/>
-          </a:fontRef>
-        </p:style>
-        <p:txBody>
-          <a:bodyPr rtlCol="0" anchor="ctr"/>
-          <a:lstStyle/>
-          <a:p>
-            <a:pPr algn="ctr"/>
-            <a:endParaRPr lang="ko-KR" altLang="en-US"/>
-          </a:p>
-        </p:txBody>
-      </p:sp>
-      <p:cxnSp>
-        <p:nvCxnSpPr>
-          <p:cNvPr id="6" name="Straight Connector 5"/>
-          <p:cNvCxnSpPr/>
-          <p:nvPr/>
-        </p:nvCxnSpPr>
-        <p:spPr>
-          <a:xfrm>
-            <a:off x="4283968" y="4385632"/>
-            <a:ext cx="288032" cy="0"/>
-          </a:xfrm>
-          <a:prstGeom prst="line">
-            <a:avLst/>
-          </a:prstGeom>
-          <a:ln>
-            <a:solidFill>
-              <a:schemeClr val="tx1"/>
-            </a:solidFill>
-          </a:ln>
-        </p:spPr>
-        <p:style>
-          <a:lnRef idx="1">
-            <a:schemeClr val="accent1"/>
-          </a:lnRef>
-          <a:fillRef idx="0">
-            <a:schemeClr val="accent1"/>
-          </a:fillRef>
-          <a:effectRef idx="0">
-            <a:schemeClr val="accent1"/>
-          </a:effectRef>
-          <a:fontRef idx="minor">
-            <a:schemeClr val="tx1"/>
-          </a:fontRef>
-        </p:style>
-      </p:cxnSp>
-      <p:cxnSp>
-        <p:nvCxnSpPr>
-          <p:cNvPr id="8" name="Straight Connector 7"/>
-          <p:cNvCxnSpPr/>
-          <p:nvPr/>
-        </p:nvCxnSpPr>
-        <p:spPr>
-          <a:xfrm>
-            <a:off x="4283968" y="5040890"/>
-            <a:ext cx="288032" cy="0"/>
-          </a:xfrm>
-          <a:prstGeom prst="line">
-            <a:avLst/>
-          </a:prstGeom>
-          <a:ln>
-            <a:solidFill>
-              <a:schemeClr val="tx1"/>
-            </a:solidFill>
-          </a:ln>
-        </p:spPr>
-        <p:style>
-          <a:lnRef idx="1">
-            <a:schemeClr val="accent1"/>
-          </a:lnRef>
-          <a:fillRef idx="0">
-            <a:schemeClr val="accent1"/>
-          </a:fillRef>
-          <a:effectRef idx="0">
-            <a:schemeClr val="accent1"/>
-          </a:effectRef>
-          <a:fontRef idx="minor">
-            <a:schemeClr val="tx1"/>
-          </a:fontRef>
-        </p:style>
-      </p:cxnSp>
-      <p:sp>
-        <p:nvSpPr>
-          <p:cNvPr id="9" name="Plus 8"/>
-          <p:cNvSpPr/>
-          <p:nvPr/>
-        </p:nvSpPr>
-        <p:spPr>
-          <a:xfrm>
-            <a:off x="4279416" y="4109992"/>
-            <a:ext cx="288032" cy="288032"/>
-          </a:xfrm>
-          <a:prstGeom prst="mathPlus">
-            <a:avLst/>
-          </a:prstGeom>
-          <a:solidFill>
-            <a:schemeClr val="tx1"/>
-          </a:solidFill>
-          <a:ln>
-            <a:noFill/>
-          </a:ln>
-        </p:spPr>
-        <p:style>
-          <a:lnRef idx="2">
-            <a:schemeClr val="accent1">
-              <a:shade val="50000"/>
-            </a:schemeClr>
-          </a:lnRef>
-          <a:fillRef idx="1">
-            <a:schemeClr val="accent1"/>
-          </a:fillRef>
-          <a:effectRef idx="0">
-            <a:schemeClr val="accent1"/>
-          </a:effectRef>
-          <a:fontRef idx="minor">
-            <a:schemeClr val="lt1"/>
-          </a:fontRef>
-        </p:style>
-        <p:txBody>
-          <a:bodyPr rtlCol="0" anchor="ctr"/>
-          <a:lstStyle/>
-          <a:p>
-            <a:pPr algn="ctr"/>
-            <a:endParaRPr lang="ko-KR" altLang="en-US"/>
-          </a:p>
-        </p:txBody>
-      </p:sp>
-      <p:sp>
-        <p:nvSpPr>
-          <p:cNvPr id="10" name="Minus 9"/>
-          <p:cNvSpPr/>
-          <p:nvPr/>
-        </p:nvSpPr>
-        <p:spPr>
-          <a:xfrm>
-            <a:off x="4283968" y="5015944"/>
-            <a:ext cx="288032" cy="288032"/>
-          </a:xfrm>
-          <a:prstGeom prst="mathMinus">
-            <a:avLst/>
-          </a:prstGeom>
-          <a:solidFill>
-            <a:schemeClr val="tx1"/>
-          </a:solidFill>
-          <a:ln>
-            <a:noFill/>
-          </a:ln>
-        </p:spPr>
-        <p:style>
-          <a:lnRef idx="2">
-            <a:schemeClr val="accent1">
-              <a:shade val="50000"/>
-            </a:schemeClr>
-          </a:lnRef>
-          <a:fillRef idx="1">
-            <a:schemeClr val="accent1"/>
-          </a:fillRef>
-          <a:effectRef idx="0">
-            <a:schemeClr val="accent1"/>
-          </a:effectRef>
-          <a:fontRef idx="minor">
-            <a:schemeClr val="lt1"/>
-          </a:fontRef>
-        </p:style>
-        <p:txBody>
-          <a:bodyPr rtlCol="0" anchor="ctr"/>
-          <a:lstStyle/>
-          <a:p>
-            <a:pPr algn="ctr"/>
-            <a:endParaRPr lang="ko-KR" altLang="en-US"/>
-          </a:p>
-        </p:txBody>
-      </p:sp>
-      <p:cxnSp>
-        <p:nvCxnSpPr>
-          <p:cNvPr id="14" name="Straight Connector 13"/>
-          <p:cNvCxnSpPr/>
-          <p:nvPr/>
-        </p:nvCxnSpPr>
-        <p:spPr>
-          <a:xfrm>
-            <a:off x="4316891" y="4451158"/>
-            <a:ext cx="216024" cy="0"/>
-          </a:xfrm>
-          <a:prstGeom prst="line">
-            <a:avLst/>
-          </a:prstGeom>
-          <a:ln>
-            <a:solidFill>
-              <a:schemeClr val="tx1"/>
-            </a:solidFill>
-          </a:ln>
-        </p:spPr>
-        <p:style>
-          <a:lnRef idx="1">
-            <a:schemeClr val="accent1"/>
-          </a:lnRef>
-          <a:fillRef idx="0">
-            <a:schemeClr val="accent1"/>
-          </a:fillRef>
-          <a:effectRef idx="0">
-            <a:schemeClr val="accent1"/>
-          </a:effectRef>
-          <a:fontRef idx="minor">
-            <a:schemeClr val="tx1"/>
-          </a:fontRef>
-        </p:style>
-      </p:cxnSp>
-      <p:cxnSp>
-        <p:nvCxnSpPr>
-          <p:cNvPr id="17" name="Straight Connector 16"/>
-          <p:cNvCxnSpPr/>
-          <p:nvPr/>
-        </p:nvCxnSpPr>
-        <p:spPr>
-          <a:xfrm>
-            <a:off x="4316891" y="4582210"/>
-            <a:ext cx="216024" cy="0"/>
-          </a:xfrm>
-          <a:prstGeom prst="line">
-            <a:avLst/>
-          </a:prstGeom>
-          <a:ln>
-            <a:solidFill>
-              <a:schemeClr val="tx1"/>
-            </a:solidFill>
-          </a:ln>
-        </p:spPr>
-        <p:style>
-          <a:lnRef idx="1">
-            <a:schemeClr val="accent1"/>
-          </a:lnRef>
-          <a:fillRef idx="0">
-            <a:schemeClr val="accent1"/>
-          </a:fillRef>
-          <a:effectRef idx="0">
-            <a:schemeClr val="accent1"/>
-          </a:effectRef>
-          <a:fontRef idx="minor">
-            <a:schemeClr val="tx1"/>
-          </a:fontRef>
-        </p:style>
-      </p:cxnSp>
-      <p:cxnSp>
-        <p:nvCxnSpPr>
-          <p:cNvPr id="18" name="Straight Connector 17"/>
-          <p:cNvCxnSpPr/>
-          <p:nvPr/>
-        </p:nvCxnSpPr>
-        <p:spPr>
-          <a:xfrm>
-            <a:off x="4316891" y="4713262"/>
-            <a:ext cx="216024" cy="0"/>
-          </a:xfrm>
-          <a:prstGeom prst="line">
-            <a:avLst/>
-          </a:prstGeom>
-          <a:ln>
-            <a:solidFill>
-              <a:schemeClr val="tx1"/>
-            </a:solidFill>
-          </a:ln>
-        </p:spPr>
-        <p:style>
-          <a:lnRef idx="1">
-            <a:schemeClr val="accent1"/>
-          </a:lnRef>
-          <a:fillRef idx="0">
-            <a:schemeClr val="accent1"/>
-          </a:fillRef>
-          <a:effectRef idx="0">
-            <a:schemeClr val="accent1"/>
-          </a:effectRef>
-          <a:fontRef idx="minor">
-            <a:schemeClr val="tx1"/>
-          </a:fontRef>
-        </p:style>
-      </p:cxnSp>
-      <p:cxnSp>
-        <p:nvCxnSpPr>
-          <p:cNvPr id="19" name="Straight Connector 18"/>
-          <p:cNvCxnSpPr/>
-          <p:nvPr/>
-        </p:nvCxnSpPr>
-        <p:spPr>
-          <a:xfrm>
-            <a:off x="4316891" y="4844314"/>
-            <a:ext cx="216024" cy="0"/>
-          </a:xfrm>
-          <a:prstGeom prst="line">
-            <a:avLst/>
-          </a:prstGeom>
-          <a:ln>
-            <a:solidFill>
-              <a:schemeClr val="tx1"/>
-            </a:solidFill>
-          </a:ln>
-        </p:spPr>
-        <p:style>
-          <a:lnRef idx="1">
-            <a:schemeClr val="accent1"/>
-          </a:lnRef>
-          <a:fillRef idx="0">
-            <a:schemeClr val="accent1"/>
-          </a:fillRef>
-          <a:effectRef idx="0">
-            <a:schemeClr val="accent1"/>
-          </a:effectRef>
-          <a:fontRef idx="minor">
-            <a:schemeClr val="tx1"/>
-          </a:fontRef>
-        </p:style>
-      </p:cxnSp>
-      <p:cxnSp>
-        <p:nvCxnSpPr>
-          <p:cNvPr id="20" name="Straight Connector 19"/>
-          <p:cNvCxnSpPr/>
-          <p:nvPr/>
-        </p:nvCxnSpPr>
-        <p:spPr>
-          <a:xfrm>
-            <a:off x="4316891" y="4975366"/>
-            <a:ext cx="216024" cy="0"/>
-          </a:xfrm>
-          <a:prstGeom prst="line">
-            <a:avLst/>
-          </a:prstGeom>
-          <a:ln>
-            <a:solidFill>
-              <a:schemeClr val="tx1"/>
-            </a:solidFill>
-          </a:ln>
-        </p:spPr>
-        <p:style>
-          <a:lnRef idx="1">
-            <a:schemeClr val="accent1"/>
-          </a:lnRef>
-          <a:fillRef idx="0">
-            <a:schemeClr val="accent1"/>
-          </a:fillRef>
-          <a:effectRef idx="0">
-            <a:schemeClr val="accent1"/>
-          </a:effectRef>
-          <a:fontRef idx="minor">
-            <a:schemeClr val="tx1"/>
-          </a:fontRef>
-        </p:style>
-      </p:cxnSp>
-      <p:cxnSp>
-        <p:nvCxnSpPr>
-          <p:cNvPr id="21" name="Straight Connector 20"/>
-          <p:cNvCxnSpPr/>
-          <p:nvPr/>
-        </p:nvCxnSpPr>
-        <p:spPr>
-          <a:xfrm>
-            <a:off x="4316891" y="4909840"/>
-            <a:ext cx="216024" cy="0"/>
-          </a:xfrm>
-          <a:prstGeom prst="line">
-            <a:avLst/>
-          </a:prstGeom>
-          <a:ln>
-            <a:solidFill>
-              <a:schemeClr val="tx1"/>
-            </a:solidFill>
-          </a:ln>
-        </p:spPr>
-        <p:style>
-          <a:lnRef idx="1">
-            <a:schemeClr val="accent1"/>
-          </a:lnRef>
-          <a:fillRef idx="0">
-            <a:schemeClr val="accent1"/>
-          </a:fillRef>
-          <a:effectRef idx="0">
-            <a:schemeClr val="accent1"/>
-          </a:effectRef>
-          <a:fontRef idx="minor">
-            <a:schemeClr val="tx1"/>
-          </a:fontRef>
-        </p:style>
-      </p:cxnSp>
-      <p:cxnSp>
-        <p:nvCxnSpPr>
-          <p:cNvPr id="22" name="Straight Connector 21"/>
-          <p:cNvCxnSpPr/>
-          <p:nvPr/>
-        </p:nvCxnSpPr>
-        <p:spPr>
-          <a:xfrm>
-            <a:off x="4316891" y="4778788"/>
-            <a:ext cx="216024" cy="0"/>
-          </a:xfrm>
-          <a:prstGeom prst="line">
-            <a:avLst/>
-          </a:prstGeom>
-          <a:ln>
-            <a:solidFill>
-              <a:schemeClr val="tx1"/>
-            </a:solidFill>
-          </a:ln>
-        </p:spPr>
-        <p:style>
-          <a:lnRef idx="1">
-            <a:schemeClr val="accent1"/>
-          </a:lnRef>
-          <a:fillRef idx="0">
-            <a:schemeClr val="accent1"/>
-          </a:fillRef>
-          <a:effectRef idx="0">
-            <a:schemeClr val="accent1"/>
-          </a:effectRef>
-          <a:fontRef idx="minor">
-            <a:schemeClr val="tx1"/>
-          </a:fontRef>
-        </p:style>
-      </p:cxnSp>
-      <p:cxnSp>
-        <p:nvCxnSpPr>
-          <p:cNvPr id="23" name="Straight Connector 22"/>
-          <p:cNvCxnSpPr/>
-          <p:nvPr/>
-        </p:nvCxnSpPr>
-        <p:spPr>
-          <a:xfrm>
-            <a:off x="4316891" y="4647736"/>
-            <a:ext cx="216024" cy="0"/>
-          </a:xfrm>
-          <a:prstGeom prst="line">
-            <a:avLst/>
-          </a:prstGeom>
-          <a:ln>
-            <a:solidFill>
-              <a:schemeClr val="tx1"/>
-            </a:solidFill>
-          </a:ln>
-        </p:spPr>
-        <p:style>
-          <a:lnRef idx="1">
-            <a:schemeClr val="accent1"/>
-          </a:lnRef>
-          <a:fillRef idx="0">
-            <a:schemeClr val="accent1"/>
-          </a:fillRef>
-          <a:effectRef idx="0">
-            <a:schemeClr val="accent1"/>
-          </a:effectRef>
-          <a:fontRef idx="minor">
-            <a:schemeClr val="tx1"/>
-          </a:fontRef>
-        </p:style>
-      </p:cxnSp>
-      <p:cxnSp>
-        <p:nvCxnSpPr>
-          <p:cNvPr id="24" name="Straight Connector 23"/>
-          <p:cNvCxnSpPr/>
-          <p:nvPr/>
-        </p:nvCxnSpPr>
-        <p:spPr>
-          <a:xfrm>
-            <a:off x="4316891" y="4516684"/>
-            <a:ext cx="216024" cy="0"/>
-          </a:xfrm>
-          <a:prstGeom prst="line">
-            <a:avLst/>
-          </a:prstGeom>
-          <a:ln>
-            <a:solidFill>
-              <a:schemeClr val="tx1"/>
-            </a:solidFill>
-          </a:ln>
-        </p:spPr>
-        <p:style>
-          <a:lnRef idx="1">
-            <a:schemeClr val="accent1"/>
-          </a:lnRef>
-          <a:fillRef idx="0">
-            <a:schemeClr val="accent1"/>
-          </a:fillRef>
-          <a:effectRef idx="0">
-            <a:schemeClr val="accent1"/>
-          </a:effectRef>
-          <a:fontRef idx="minor">
-            <a:schemeClr val="tx1"/>
-          </a:fontRef>
-        </p:style>
-      </p:cxnSp>
-      <p:sp>
-        <p:nvSpPr>
-          <p:cNvPr id="16" name="Rectangle 15"/>
-          <p:cNvSpPr/>
-          <p:nvPr/>
-        </p:nvSpPr>
-        <p:spPr>
-          <a:xfrm>
-            <a:off x="4243412" y="4943957"/>
-            <a:ext cx="360040" cy="72008"/>
-          </a:xfrm>
-          <a:prstGeom prst="rect">
-            <a:avLst/>
-          </a:prstGeom>
-          <a:noFill/>
-          <a:ln>
-            <a:solidFill>
-              <a:srgbClr val="FF0000"/>
-            </a:solidFill>
-          </a:ln>
-        </p:spPr>
-        <p:style>
-          <a:lnRef idx="2">
-            <a:schemeClr val="accent1">
-              <a:shade val="50000"/>
-            </a:schemeClr>
-          </a:lnRef>
-          <a:fillRef idx="1">
-            <a:schemeClr val="accent1"/>
-          </a:fillRef>
-          <a:effectRef idx="0">
-            <a:schemeClr val="accent1"/>
-          </a:effectRef>
-          <a:fontRef idx="minor">
-            <a:schemeClr val="lt1"/>
-          </a:fontRef>
-        </p:style>
-        <p:txBody>
-          <a:bodyPr rtlCol="0" anchor="ctr"/>
-          <a:lstStyle/>
-          <a:p>
-            <a:pPr algn="ctr"/>
-            <a:endParaRPr lang="ko-KR" altLang="en-US"/>
-          </a:p>
-        </p:txBody>
-      </p:sp>
-      <p:pic>
-        <p:nvPicPr>
-          <p:cNvPr id="27" name="Picture 26"/>
-          <p:cNvPicPr>
-            <a:picLocks noChangeAspect="1"/>
-          </p:cNvPicPr>
-          <p:nvPr/>
-        </p:nvPicPr>
-        <p:blipFill>
-          <a:blip r:embed="rId3" cstate="print">
-            <a:extLst>
-              <a:ext uri="{28A0092B-C50C-407E-A947-70E740481C1C}">
-                <a14:useLocalDpi xmlns:a14="http://schemas.microsoft.com/office/drawing/2010/main" val="0"/>
-              </a:ext>
-            </a:extLst>
-          </a:blip>
-          <a:stretch>
-            <a:fillRect/>
-          </a:stretch>
-        </p:blipFill>
-        <p:spPr>
-          <a:xfrm>
-            <a:off x="166544" y="966760"/>
-            <a:ext cx="4464496" cy="2555447"/>
-          </a:xfrm>
-          <a:prstGeom prst="rect">
-            <a:avLst/>
-          </a:prstGeom>
-        </p:spPr>
-      </p:pic>
-      <p:sp>
-        <p:nvSpPr>
-          <p:cNvPr id="28" name="Rectangle 27"/>
-          <p:cNvSpPr/>
-          <p:nvPr/>
-        </p:nvSpPr>
-        <p:spPr>
-          <a:xfrm>
-            <a:off x="166544" y="954336"/>
-            <a:ext cx="4464496" cy="2555447"/>
-          </a:xfrm>
-          <a:prstGeom prst="rect">
-            <a:avLst/>
-          </a:prstGeom>
-          <a:noFill/>
-          <a:ln>
-            <a:solidFill>
-              <a:schemeClr val="tx1">
-                <a:lumMod val="95000"/>
-                <a:lumOff val="5000"/>
-              </a:schemeClr>
-            </a:solidFill>
-          </a:ln>
-        </p:spPr>
-        <p:style>
-          <a:lnRef idx="2">
-            <a:schemeClr val="accent1">
-              <a:shade val="50000"/>
-            </a:schemeClr>
-          </a:lnRef>
-          <a:fillRef idx="1">
-            <a:schemeClr val="accent1"/>
-          </a:fillRef>
-          <a:effectRef idx="0">
-            <a:schemeClr val="accent1"/>
-          </a:effectRef>
-          <a:fontRef idx="minor">
-            <a:schemeClr val="lt1"/>
-          </a:fontRef>
-        </p:style>
-        <p:txBody>
-          <a:bodyPr rtlCol="0" anchor="ctr"/>
-          <a:lstStyle/>
-          <a:p>
-            <a:pPr algn="ctr"/>
-            <a:endParaRPr lang="ko-KR" altLang="en-US"/>
-          </a:p>
-        </p:txBody>
-      </p:sp>
-      <p:sp>
-        <p:nvSpPr>
-          <p:cNvPr id="29" name="Rectangle 28"/>
-          <p:cNvSpPr/>
-          <p:nvPr/>
-        </p:nvSpPr>
-        <p:spPr>
-          <a:xfrm>
-            <a:off x="4271000" y="991397"/>
-            <a:ext cx="288032" cy="1152128"/>
-          </a:xfrm>
-          <a:prstGeom prst="rect">
-            <a:avLst/>
-          </a:prstGeom>
-          <a:noFill/>
-          <a:ln>
-            <a:solidFill>
-              <a:schemeClr val="tx1"/>
-            </a:solidFill>
-          </a:ln>
-        </p:spPr>
-        <p:style>
-          <a:lnRef idx="2">
-            <a:schemeClr val="accent1">
-              <a:shade val="50000"/>
-            </a:schemeClr>
-          </a:lnRef>
-          <a:fillRef idx="1">
-            <a:schemeClr val="accent1"/>
-          </a:fillRef>
-          <a:effectRef idx="0">
-            <a:schemeClr val="accent1"/>
-          </a:effectRef>
-          <a:fontRef idx="minor">
-            <a:schemeClr val="lt1"/>
-          </a:fontRef>
-        </p:style>
-        <p:txBody>
-          <a:bodyPr rtlCol="0" anchor="ctr"/>
-          <a:lstStyle/>
-          <a:p>
-            <a:pPr algn="ctr"/>
-            <a:endParaRPr lang="ko-KR" altLang="en-US"/>
-          </a:p>
-        </p:txBody>
-      </p:sp>
-      <p:cxnSp>
-        <p:nvCxnSpPr>
-          <p:cNvPr id="30" name="Straight Connector 29"/>
-          <p:cNvCxnSpPr/>
-          <p:nvPr/>
-        </p:nvCxnSpPr>
-        <p:spPr>
-          <a:xfrm>
-            <a:off x="4271000" y="1255333"/>
-            <a:ext cx="288032" cy="0"/>
-          </a:xfrm>
-          <a:prstGeom prst="line">
-            <a:avLst/>
-          </a:prstGeom>
-          <a:ln>
-            <a:solidFill>
-              <a:schemeClr val="tx1"/>
-            </a:solidFill>
-          </a:ln>
-        </p:spPr>
-        <p:style>
-          <a:lnRef idx="1">
-            <a:schemeClr val="accent1"/>
-          </a:lnRef>
-          <a:fillRef idx="0">
-            <a:schemeClr val="accent1"/>
-          </a:fillRef>
-          <a:effectRef idx="0">
-            <a:schemeClr val="accent1"/>
-          </a:effectRef>
-          <a:fontRef idx="minor">
-            <a:schemeClr val="tx1"/>
-          </a:fontRef>
-        </p:style>
-      </p:cxnSp>
-      <p:cxnSp>
-        <p:nvCxnSpPr>
-          <p:cNvPr id="31" name="Straight Connector 30"/>
-          <p:cNvCxnSpPr/>
-          <p:nvPr/>
-        </p:nvCxnSpPr>
-        <p:spPr>
-          <a:xfrm>
-            <a:off x="4271000" y="1910591"/>
-            <a:ext cx="288032" cy="0"/>
-          </a:xfrm>
-          <a:prstGeom prst="line">
-            <a:avLst/>
-          </a:prstGeom>
-          <a:ln>
-            <a:solidFill>
-              <a:schemeClr val="tx1"/>
-            </a:solidFill>
-          </a:ln>
-        </p:spPr>
-        <p:style>
-          <a:lnRef idx="1">
-            <a:schemeClr val="accent1"/>
-          </a:lnRef>
-          <a:fillRef idx="0">
-            <a:schemeClr val="accent1"/>
-          </a:fillRef>
-          <a:effectRef idx="0">
-            <a:schemeClr val="accent1"/>
-          </a:effectRef>
-          <a:fontRef idx="minor">
-            <a:schemeClr val="tx1"/>
-          </a:fontRef>
-        </p:style>
-      </p:cxnSp>
-      <p:sp>
-        <p:nvSpPr>
-          <p:cNvPr id="32" name="Plus 31"/>
-          <p:cNvSpPr/>
-          <p:nvPr/>
-        </p:nvSpPr>
-        <p:spPr>
-          <a:xfrm>
-            <a:off x="4266448" y="979693"/>
-            <a:ext cx="288032" cy="288032"/>
-          </a:xfrm>
-          <a:prstGeom prst="mathPlus">
-            <a:avLst/>
-          </a:prstGeom>
-          <a:solidFill>
-            <a:schemeClr val="tx1"/>
-          </a:solidFill>
-          <a:ln>
-            <a:noFill/>
-          </a:ln>
-        </p:spPr>
-        <p:style>
-          <a:lnRef idx="2">
-            <a:schemeClr val="accent1">
-              <a:shade val="50000"/>
-            </a:schemeClr>
-          </a:lnRef>
-          <a:fillRef idx="1">
-            <a:schemeClr val="accent1"/>
-          </a:fillRef>
-          <a:effectRef idx="0">
-            <a:schemeClr val="accent1"/>
-          </a:effectRef>
-          <a:fontRef idx="minor">
-            <a:schemeClr val="lt1"/>
-          </a:fontRef>
-        </p:style>
-        <p:txBody>
-          <a:bodyPr rtlCol="0" anchor="ctr"/>
-          <a:lstStyle/>
-          <a:p>
-            <a:pPr algn="ctr"/>
-            <a:endParaRPr lang="ko-KR" altLang="en-US"/>
-          </a:p>
-        </p:txBody>
-      </p:sp>
-      <p:sp>
-        <p:nvSpPr>
-          <p:cNvPr id="33" name="Minus 32"/>
-          <p:cNvSpPr/>
-          <p:nvPr/>
-        </p:nvSpPr>
-        <p:spPr>
-          <a:xfrm>
-            <a:off x="4271000" y="1885645"/>
-            <a:ext cx="288032" cy="288032"/>
-          </a:xfrm>
-          <a:prstGeom prst="mathMinus">
-            <a:avLst/>
-          </a:prstGeom>
-          <a:solidFill>
-            <a:schemeClr val="tx1"/>
-          </a:solidFill>
-          <a:ln>
-            <a:noFill/>
-          </a:ln>
-        </p:spPr>
-        <p:style>
-          <a:lnRef idx="2">
-            <a:schemeClr val="accent1">
-              <a:shade val="50000"/>
-            </a:schemeClr>
-          </a:lnRef>
-          <a:fillRef idx="1">
-            <a:schemeClr val="accent1"/>
-          </a:fillRef>
-          <a:effectRef idx="0">
-            <a:schemeClr val="accent1"/>
-          </a:effectRef>
-          <a:fontRef idx="minor">
-            <a:schemeClr val="lt1"/>
-          </a:fontRef>
-        </p:style>
-        <p:txBody>
-          <a:bodyPr rtlCol="0" anchor="ctr"/>
-          <a:lstStyle/>
-          <a:p>
-            <a:pPr algn="ctr"/>
-            <a:endParaRPr lang="ko-KR" altLang="en-US"/>
-          </a:p>
-        </p:txBody>
-      </p:sp>
-      <p:cxnSp>
-        <p:nvCxnSpPr>
-          <p:cNvPr id="34" name="Straight Connector 33"/>
-          <p:cNvCxnSpPr/>
-          <p:nvPr/>
-        </p:nvCxnSpPr>
-        <p:spPr>
-          <a:xfrm>
-            <a:off x="4303923" y="1320859"/>
-            <a:ext cx="216024" cy="0"/>
-          </a:xfrm>
-          <a:prstGeom prst="line">
-            <a:avLst/>
-          </a:prstGeom>
-          <a:ln>
-            <a:solidFill>
-              <a:schemeClr val="tx1"/>
-            </a:solidFill>
-          </a:ln>
-        </p:spPr>
-        <p:style>
-          <a:lnRef idx="1">
-            <a:schemeClr val="accent1"/>
-          </a:lnRef>
-          <a:fillRef idx="0">
-            <a:schemeClr val="accent1"/>
-          </a:fillRef>
-          <a:effectRef idx="0">
-            <a:schemeClr val="accent1"/>
-          </a:effectRef>
-          <a:fontRef idx="minor">
-            <a:schemeClr val="tx1"/>
-          </a:fontRef>
-        </p:style>
-      </p:cxnSp>
-      <p:cxnSp>
-        <p:nvCxnSpPr>
-          <p:cNvPr id="35" name="Straight Connector 34"/>
-          <p:cNvCxnSpPr/>
-          <p:nvPr/>
-        </p:nvCxnSpPr>
-        <p:spPr>
-          <a:xfrm>
-            <a:off x="4303923" y="1451911"/>
-            <a:ext cx="216024" cy="0"/>
-          </a:xfrm>
-          <a:prstGeom prst="line">
-            <a:avLst/>
-          </a:prstGeom>
-          <a:ln>
-            <a:solidFill>
-              <a:schemeClr val="tx1"/>
-            </a:solidFill>
-          </a:ln>
-        </p:spPr>
-        <p:style>
-          <a:lnRef idx="1">
-            <a:schemeClr val="accent1"/>
-          </a:lnRef>
-          <a:fillRef idx="0">
-            <a:schemeClr val="accent1"/>
-          </a:fillRef>
-          <a:effectRef idx="0">
-            <a:schemeClr val="accent1"/>
-          </a:effectRef>
-          <a:fontRef idx="minor">
-            <a:schemeClr val="tx1"/>
-          </a:fontRef>
-        </p:style>
-      </p:cxnSp>
-      <p:cxnSp>
-        <p:nvCxnSpPr>
-          <p:cNvPr id="36" name="Straight Connector 35"/>
-          <p:cNvCxnSpPr/>
-          <p:nvPr/>
-        </p:nvCxnSpPr>
-        <p:spPr>
-          <a:xfrm>
-            <a:off x="4303923" y="1582963"/>
-            <a:ext cx="216024" cy="0"/>
-          </a:xfrm>
-          <a:prstGeom prst="line">
-            <a:avLst/>
-          </a:prstGeom>
-          <a:ln>
-            <a:solidFill>
-              <a:schemeClr val="tx1"/>
-            </a:solidFill>
-          </a:ln>
-        </p:spPr>
-        <p:style>
-          <a:lnRef idx="1">
-            <a:schemeClr val="accent1"/>
-          </a:lnRef>
-          <a:fillRef idx="0">
-            <a:schemeClr val="accent1"/>
-          </a:fillRef>
-          <a:effectRef idx="0">
-            <a:schemeClr val="accent1"/>
-          </a:effectRef>
-          <a:fontRef idx="minor">
-            <a:schemeClr val="tx1"/>
-          </a:fontRef>
-        </p:style>
-      </p:cxnSp>
-      <p:cxnSp>
-        <p:nvCxnSpPr>
-          <p:cNvPr id="37" name="Straight Connector 36"/>
-          <p:cNvCxnSpPr/>
-          <p:nvPr/>
-        </p:nvCxnSpPr>
-        <p:spPr>
-          <a:xfrm>
-            <a:off x="4303923" y="1714015"/>
-            <a:ext cx="216024" cy="0"/>
-          </a:xfrm>
-          <a:prstGeom prst="line">
-            <a:avLst/>
-          </a:prstGeom>
-          <a:ln>
-            <a:solidFill>
-              <a:schemeClr val="tx1"/>
-            </a:solidFill>
-          </a:ln>
-        </p:spPr>
-        <p:style>
-          <a:lnRef idx="1">
-            <a:schemeClr val="accent1"/>
-          </a:lnRef>
-          <a:fillRef idx="0">
-            <a:schemeClr val="accent1"/>
-          </a:fillRef>
-          <a:effectRef idx="0">
-            <a:schemeClr val="accent1"/>
-          </a:effectRef>
-          <a:fontRef idx="minor">
-            <a:schemeClr val="tx1"/>
-          </a:fontRef>
-        </p:style>
-      </p:cxnSp>
-      <p:cxnSp>
-        <p:nvCxnSpPr>
-          <p:cNvPr id="38" name="Straight Connector 37"/>
-          <p:cNvCxnSpPr/>
-          <p:nvPr/>
-        </p:nvCxnSpPr>
-        <p:spPr>
-          <a:xfrm>
-            <a:off x="4303923" y="1845067"/>
-            <a:ext cx="216024" cy="0"/>
-          </a:xfrm>
-          <a:prstGeom prst="line">
-            <a:avLst/>
-          </a:prstGeom>
-          <a:ln>
-            <a:solidFill>
-              <a:schemeClr val="tx1"/>
-            </a:solidFill>
-          </a:ln>
-        </p:spPr>
-        <p:style>
-          <a:lnRef idx="1">
-            <a:schemeClr val="accent1"/>
-          </a:lnRef>
-          <a:fillRef idx="0">
-            <a:schemeClr val="accent1"/>
-          </a:fillRef>
-          <a:effectRef idx="0">
-            <a:schemeClr val="accent1"/>
-          </a:effectRef>
-          <a:fontRef idx="minor">
-            <a:schemeClr val="tx1"/>
-          </a:fontRef>
-        </p:style>
-      </p:cxnSp>
-      <p:cxnSp>
-        <p:nvCxnSpPr>
-          <p:cNvPr id="39" name="Straight Connector 38"/>
-          <p:cNvCxnSpPr/>
-          <p:nvPr/>
-        </p:nvCxnSpPr>
-        <p:spPr>
-          <a:xfrm>
-            <a:off x="4303923" y="1779541"/>
-            <a:ext cx="216024" cy="0"/>
-          </a:xfrm>
-          <a:prstGeom prst="line">
-            <a:avLst/>
-          </a:prstGeom>
-          <a:ln>
-            <a:solidFill>
-              <a:schemeClr val="tx1"/>
-            </a:solidFill>
-          </a:ln>
-        </p:spPr>
-        <p:style>
-          <a:lnRef idx="1">
-            <a:schemeClr val="accent1"/>
-          </a:lnRef>
-          <a:fillRef idx="0">
-            <a:schemeClr val="accent1"/>
-          </a:fillRef>
-          <a:effectRef idx="0">
-            <a:schemeClr val="accent1"/>
-          </a:effectRef>
-          <a:fontRef idx="minor">
-            <a:schemeClr val="tx1"/>
-          </a:fontRef>
-        </p:style>
-      </p:cxnSp>
-      <p:cxnSp>
-        <p:nvCxnSpPr>
-          <p:cNvPr id="40" name="Straight Connector 39"/>
-          <p:cNvCxnSpPr/>
-          <p:nvPr/>
-        </p:nvCxnSpPr>
-        <p:spPr>
-          <a:xfrm>
-            <a:off x="4303923" y="1648489"/>
-            <a:ext cx="216024" cy="0"/>
-          </a:xfrm>
-          <a:prstGeom prst="line">
-            <a:avLst/>
-          </a:prstGeom>
-          <a:ln>
-            <a:solidFill>
-              <a:schemeClr val="tx1"/>
-            </a:solidFill>
-          </a:ln>
-        </p:spPr>
-        <p:style>
-          <a:lnRef idx="1">
-            <a:schemeClr val="accent1"/>
-          </a:lnRef>
-          <a:fillRef idx="0">
-            <a:schemeClr val="accent1"/>
-          </a:fillRef>
-          <a:effectRef idx="0">
-            <a:schemeClr val="accent1"/>
-          </a:effectRef>
-          <a:fontRef idx="minor">
-            <a:schemeClr val="tx1"/>
-          </a:fontRef>
-        </p:style>
-      </p:cxnSp>
-      <p:cxnSp>
-        <p:nvCxnSpPr>
-          <p:cNvPr id="41" name="Straight Connector 40"/>
-          <p:cNvCxnSpPr/>
-          <p:nvPr/>
-        </p:nvCxnSpPr>
-        <p:spPr>
-          <a:xfrm>
-            <a:off x="4303923" y="1517437"/>
-            <a:ext cx="216024" cy="0"/>
-          </a:xfrm>
-          <a:prstGeom prst="line">
-            <a:avLst/>
-          </a:prstGeom>
-          <a:ln>
-            <a:solidFill>
-              <a:schemeClr val="tx1"/>
-            </a:solidFill>
-          </a:ln>
-        </p:spPr>
-        <p:style>
-          <a:lnRef idx="1">
-            <a:schemeClr val="accent1"/>
-          </a:lnRef>
-          <a:fillRef idx="0">
-            <a:schemeClr val="accent1"/>
-          </a:fillRef>
-          <a:effectRef idx="0">
-            <a:schemeClr val="accent1"/>
-          </a:effectRef>
-          <a:fontRef idx="minor">
-            <a:schemeClr val="tx1"/>
-          </a:fontRef>
-        </p:style>
-      </p:cxnSp>
-      <p:cxnSp>
-        <p:nvCxnSpPr>
-          <p:cNvPr id="42" name="Straight Connector 41"/>
-          <p:cNvCxnSpPr/>
-          <p:nvPr/>
-        </p:nvCxnSpPr>
-        <p:spPr>
-          <a:xfrm>
-            <a:off x="4303923" y="1386385"/>
-            <a:ext cx="216024" cy="0"/>
-          </a:xfrm>
-          <a:prstGeom prst="line">
-            <a:avLst/>
-          </a:prstGeom>
-          <a:ln>
-            <a:solidFill>
-              <a:schemeClr val="tx1"/>
-            </a:solidFill>
-          </a:ln>
-        </p:spPr>
-        <p:style>
-          <a:lnRef idx="1">
-            <a:schemeClr val="accent1"/>
-          </a:lnRef>
-          <a:fillRef idx="0">
-            <a:schemeClr val="accent1"/>
-          </a:fillRef>
-          <a:effectRef idx="0">
-            <a:schemeClr val="accent1"/>
-          </a:effectRef>
-          <a:fontRef idx="minor">
-            <a:schemeClr val="tx1"/>
-          </a:fontRef>
-        </p:style>
-      </p:cxnSp>
-      <p:sp>
-        <p:nvSpPr>
-          <p:cNvPr id="43" name="Rectangle 42"/>
-          <p:cNvSpPr/>
-          <p:nvPr/>
-        </p:nvSpPr>
-        <p:spPr>
-          <a:xfrm>
-            <a:off x="4230444" y="1288525"/>
-            <a:ext cx="360040" cy="72008"/>
-          </a:xfrm>
-          <a:prstGeom prst="rect">
-            <a:avLst/>
-          </a:prstGeom>
-          <a:noFill/>
-          <a:ln>
-            <a:solidFill>
-              <a:srgbClr val="FF0000"/>
-            </a:solidFill>
-          </a:ln>
-        </p:spPr>
-        <p:style>
-          <a:lnRef idx="2">
-            <a:schemeClr val="accent1">
-              <a:shade val="50000"/>
-            </a:schemeClr>
-          </a:lnRef>
-          <a:fillRef idx="1">
-            <a:schemeClr val="accent1"/>
-          </a:fillRef>
-          <a:effectRef idx="0">
-            <a:schemeClr val="accent1"/>
-          </a:effectRef>
-          <a:fontRef idx="minor">
-            <a:schemeClr val="lt1"/>
-          </a:fontRef>
-        </p:style>
-        <p:txBody>
-          <a:bodyPr rtlCol="0" anchor="ctr"/>
-          <a:lstStyle/>
-          <a:p>
-            <a:pPr algn="ctr"/>
-            <a:endParaRPr lang="ko-KR" altLang="en-US"/>
-          </a:p>
-        </p:txBody>
-      </p:sp>
-      <p:sp>
-        <p:nvSpPr>
-          <p:cNvPr id="45" name="TextBox 44"/>
-          <p:cNvSpPr txBox="1"/>
-          <p:nvPr/>
-        </p:nvSpPr>
-        <p:spPr>
-          <a:xfrm>
-            <a:off x="166544" y="606720"/>
-            <a:ext cx="1398140" cy="369332"/>
-          </a:xfrm>
-          <a:prstGeom prst="rect">
-            <a:avLst/>
-          </a:prstGeom>
-          <a:noFill/>
-        </p:spPr>
-        <p:txBody>
-          <a:bodyPr wrap="none" rtlCol="0">
-            <a:spAutoFit/>
-          </a:bodyPr>
-          <a:lstStyle/>
-          <a:p>
-            <a:r>
-              <a:rPr lang="en-US" altLang="ko-KR" b="1" dirty="0" smtClean="0"/>
-              <a:t>1 </a:t>
-            </a:r>
-            <a:r>
-              <a:rPr lang="ko-KR" altLang="en-US" b="1" dirty="0" smtClean="0"/>
-              <a:t>단계 모습</a:t>
-            </a:r>
-            <a:endParaRPr lang="ko-KR" altLang="en-US" b="1" dirty="0"/>
-          </a:p>
-        </p:txBody>
-      </p:sp>
-      <p:sp>
-        <p:nvSpPr>
-          <p:cNvPr id="47" name="TextBox 46"/>
-          <p:cNvSpPr txBox="1"/>
-          <p:nvPr/>
-        </p:nvSpPr>
-        <p:spPr>
-          <a:xfrm>
-            <a:off x="166544" y="3695316"/>
-            <a:ext cx="1398140" cy="369332"/>
-          </a:xfrm>
-          <a:prstGeom prst="rect">
-            <a:avLst/>
-          </a:prstGeom>
-          <a:noFill/>
-        </p:spPr>
-        <p:txBody>
-          <a:bodyPr wrap="none" rtlCol="0">
-            <a:spAutoFit/>
-          </a:bodyPr>
-          <a:lstStyle/>
-          <a:p>
-            <a:r>
-              <a:rPr lang="en-US" altLang="ko-KR" b="1" dirty="0" smtClean="0"/>
-              <a:t>9 </a:t>
-            </a:r>
-            <a:r>
-              <a:rPr lang="ko-KR" altLang="en-US" b="1" dirty="0" smtClean="0"/>
-              <a:t>단계 모습</a:t>
-            </a:r>
-            <a:endParaRPr lang="ko-KR" altLang="en-US" b="1" dirty="0"/>
-          </a:p>
-        </p:txBody>
-      </p:sp>
-      <p:sp>
-        <p:nvSpPr>
-          <p:cNvPr id="46" name="TextBox 45"/>
-          <p:cNvSpPr txBox="1"/>
-          <p:nvPr/>
-        </p:nvSpPr>
-        <p:spPr>
-          <a:xfrm>
-            <a:off x="2987824" y="7432"/>
-            <a:ext cx="3922869" cy="523220"/>
-          </a:xfrm>
-          <a:prstGeom prst="rect">
-            <a:avLst/>
-          </a:prstGeom>
-          <a:noFill/>
-        </p:spPr>
-        <p:txBody>
-          <a:bodyPr wrap="none" rtlCol="0">
-            <a:spAutoFit/>
-          </a:bodyPr>
-          <a:lstStyle/>
-          <a:p>
-            <a:r>
-              <a:rPr lang="ko-KR" altLang="en-US" sz="2800" b="1" dirty="0" smtClean="0"/>
-              <a:t>확대 축소 및 화면 이동</a:t>
-            </a:r>
-            <a:endParaRPr lang="ko-KR" altLang="en-US" sz="2800" b="1" dirty="0"/>
-          </a:p>
-        </p:txBody>
-      </p:sp>
-      <p:sp>
-        <p:nvSpPr>
-          <p:cNvPr id="48" name="TextBox 47"/>
-          <p:cNvSpPr txBox="1"/>
-          <p:nvPr/>
-        </p:nvSpPr>
-        <p:spPr>
-          <a:xfrm>
-            <a:off x="4684564" y="2393025"/>
-            <a:ext cx="4629794" cy="4247317"/>
-          </a:xfrm>
-          <a:prstGeom prst="rect">
-            <a:avLst/>
-          </a:prstGeom>
-          <a:noFill/>
-        </p:spPr>
-        <p:txBody>
-          <a:bodyPr wrap="none" rtlCol="0">
-            <a:spAutoFit/>
-          </a:bodyPr>
-          <a:lstStyle/>
-          <a:p>
-            <a:r>
-              <a:rPr lang="ko-KR" altLang="en-US" sz="1000" dirty="0"/>
-              <a:t>화면의 해상도는 </a:t>
-            </a:r>
-            <a:r>
-              <a:rPr lang="en-US" altLang="ko-KR" sz="1000" dirty="0"/>
-              <a:t>1366*768 </a:t>
-            </a:r>
-            <a:r>
-              <a:rPr lang="ko-KR" altLang="en-US" sz="1000" dirty="0"/>
-              <a:t>입니다</a:t>
-            </a:r>
-            <a:r>
-              <a:rPr lang="en-US" altLang="ko-KR" sz="1000" dirty="0"/>
-              <a:t>.</a:t>
-            </a:r>
-          </a:p>
-          <a:p>
-            <a:endParaRPr lang="en-US" altLang="ko-KR" sz="1000" b="1" dirty="0" smtClean="0"/>
-          </a:p>
-          <a:p>
-            <a:r>
-              <a:rPr lang="ko-KR" altLang="en-US" sz="1000" b="1" dirty="0" smtClean="0"/>
-              <a:t>확대 축소</a:t>
-            </a:r>
-            <a:endParaRPr lang="en-US" altLang="ko-KR" sz="1000" b="1" dirty="0" smtClean="0"/>
-          </a:p>
-          <a:p>
-            <a:pPr marL="171450" indent="-171450">
-              <a:buFontTx/>
-              <a:buChar char="-"/>
-            </a:pPr>
-            <a:r>
-              <a:rPr lang="en-US" altLang="ko-KR" sz="1000" dirty="0" smtClean="0"/>
-              <a:t>+ - </a:t>
-            </a:r>
-            <a:r>
-              <a:rPr lang="ko-KR" altLang="en-US" sz="1000" dirty="0" smtClean="0"/>
-              <a:t>버튼을 눌러서 단계별 확대 축소 가능 합니다</a:t>
-            </a:r>
-            <a:endParaRPr lang="en-US" altLang="ko-KR" sz="1000" dirty="0" smtClean="0"/>
-          </a:p>
-          <a:p>
-            <a:pPr marL="171450" indent="-171450">
-              <a:buFontTx/>
-              <a:buChar char="-"/>
-            </a:pPr>
-            <a:r>
-              <a:rPr lang="ko-KR" altLang="en-US" sz="1000" dirty="0" smtClean="0"/>
-              <a:t>투 포인트 </a:t>
-            </a:r>
-            <a:r>
-              <a:rPr lang="en-US" altLang="ko-KR" sz="1000" dirty="0" smtClean="0"/>
-              <a:t>(</a:t>
-            </a:r>
-            <a:r>
-              <a:rPr lang="ko-KR" altLang="en-US" sz="1000" dirty="0" smtClean="0"/>
-              <a:t>손가락 두개</a:t>
-            </a:r>
-            <a:r>
-              <a:rPr lang="en-US" altLang="ko-KR" sz="1000" dirty="0" smtClean="0"/>
-              <a:t>) </a:t>
-            </a:r>
-            <a:r>
-              <a:rPr lang="ko-KR" altLang="en-US" sz="1000" dirty="0" smtClean="0"/>
-              <a:t>를 이용하여 화면 자체로 확대 축소 가능 합니다</a:t>
-            </a:r>
-            <a:r>
-              <a:rPr lang="en-US" altLang="ko-KR" sz="1000" dirty="0" smtClean="0"/>
-              <a:t>.</a:t>
-            </a:r>
-          </a:p>
-          <a:p>
-            <a:pPr marL="171450" indent="-171450">
-              <a:buFontTx/>
-              <a:buChar char="-"/>
-            </a:pPr>
-            <a:r>
-              <a:rPr lang="ko-KR" altLang="en-US" sz="1000" dirty="0" smtClean="0"/>
-              <a:t>투 포인트</a:t>
-            </a:r>
-            <a:r>
-              <a:rPr lang="en-US" altLang="ko-KR" sz="1000" dirty="0" smtClean="0"/>
-              <a:t>(</a:t>
-            </a:r>
-            <a:r>
-              <a:rPr lang="ko-KR" altLang="en-US" sz="1000" dirty="0" smtClean="0"/>
-              <a:t>손가락 두개</a:t>
-            </a:r>
-            <a:r>
-              <a:rPr lang="en-US" altLang="ko-KR" sz="1000" dirty="0" smtClean="0"/>
-              <a:t>)</a:t>
-            </a:r>
-            <a:r>
-              <a:rPr lang="ko-KR" altLang="en-US" sz="1000" dirty="0"/>
-              <a:t> </a:t>
-            </a:r>
-            <a:r>
-              <a:rPr lang="ko-KR" altLang="en-US" sz="1000" dirty="0" smtClean="0"/>
-              <a:t>를 이용하여 확대 축소를 할때 한번에</a:t>
-            </a:r>
-            <a:r>
-              <a:rPr lang="en-US" altLang="ko-KR" sz="1000" dirty="0" smtClean="0"/>
-              <a:t>1~9</a:t>
-            </a:r>
-            <a:r>
-              <a:rPr lang="ko-KR" altLang="en-US" sz="1000" dirty="0" smtClean="0"/>
-              <a:t>단계 </a:t>
-            </a:r>
-            <a:r>
-              <a:rPr lang="en-US" altLang="ko-KR" sz="1000" dirty="0" smtClean="0"/>
-              <a:t/>
-            </a:r>
-            <a:br>
-              <a:rPr lang="en-US" altLang="ko-KR" sz="1000" dirty="0" smtClean="0"/>
-            </a:br>
-            <a:r>
-              <a:rPr lang="ko-KR" altLang="en-US" sz="1000" dirty="0" smtClean="0"/>
-              <a:t>확대 축소를 할 수 있습니다</a:t>
-            </a:r>
-            <a:r>
-              <a:rPr lang="en-US" altLang="ko-KR" sz="1000" dirty="0" smtClean="0"/>
-              <a:t>. (</a:t>
-            </a:r>
-            <a:r>
-              <a:rPr lang="ko-KR" altLang="en-US" sz="1000" dirty="0" smtClean="0"/>
-              <a:t>거리 별 값은 대략 처리 부탁합니다</a:t>
-            </a:r>
-            <a:r>
-              <a:rPr lang="en-US" altLang="ko-KR" sz="1000" dirty="0" smtClean="0"/>
-              <a:t>.)</a:t>
-            </a:r>
-          </a:p>
-          <a:p>
-            <a:pPr marL="171450" indent="-171450">
-              <a:buFontTx/>
-              <a:buChar char="-"/>
-            </a:pPr>
-            <a:r>
-              <a:rPr lang="ko-KR" altLang="en-US" sz="1000" dirty="0" smtClean="0"/>
-              <a:t>확대 축소 중애는 다른 기능이 작동 하지 않습니다</a:t>
-            </a:r>
-            <a:r>
-              <a:rPr lang="en-US" altLang="ko-KR" sz="1000" dirty="0" smtClean="0"/>
-              <a:t>. (</a:t>
-            </a:r>
-            <a:r>
-              <a:rPr lang="ko-KR" altLang="en-US" sz="1000" dirty="0" smtClean="0"/>
-              <a:t>이동 아이콘 클릭</a:t>
-            </a:r>
-            <a:r>
-              <a:rPr lang="en-US" altLang="ko-KR" sz="1000" dirty="0" smtClean="0"/>
-              <a:t>)</a:t>
-            </a:r>
-          </a:p>
-          <a:p>
-            <a:pPr marL="171450" indent="-171450">
-              <a:buFontTx/>
-              <a:buChar char="-"/>
-            </a:pPr>
-            <a:r>
-              <a:rPr lang="ko-KR" altLang="en-US" sz="1000" dirty="0" smtClean="0"/>
-              <a:t>확대 축소 기능을 사용하면 </a:t>
-            </a:r>
-            <a:r>
-              <a:rPr lang="en-US" altLang="ko-KR" sz="1000" dirty="0" smtClean="0"/>
-              <a:t>+ - </a:t>
-            </a:r>
-            <a:r>
-              <a:rPr lang="ko-KR" altLang="en-US" sz="1000" dirty="0" smtClean="0"/>
-              <a:t>패널 사이에 이미지가 하당 확대 축소 단계</a:t>
-            </a:r>
-            <a:r>
-              <a:rPr lang="en-US" altLang="ko-KR" sz="1000" dirty="0" smtClean="0"/>
-              <a:t/>
-            </a:r>
-            <a:br>
-              <a:rPr lang="en-US" altLang="ko-KR" sz="1000" dirty="0" smtClean="0"/>
-            </a:br>
-            <a:r>
-              <a:rPr lang="ko-KR" altLang="en-US" sz="1000" dirty="0" smtClean="0"/>
-              <a:t>위치에 있게 됩니다</a:t>
-            </a:r>
-            <a:r>
-              <a:rPr lang="en-US" altLang="ko-KR" sz="1000" dirty="0" smtClean="0"/>
-              <a:t>.</a:t>
-            </a:r>
-          </a:p>
-          <a:p>
-            <a:pPr marL="171450" indent="-171450">
-              <a:buFontTx/>
-              <a:buChar char="-"/>
-            </a:pPr>
-            <a:endParaRPr lang="en-US" altLang="ko-KR" sz="1000" dirty="0" smtClean="0"/>
-          </a:p>
-          <a:p>
-            <a:pPr marL="171450" indent="-171450">
-              <a:buFontTx/>
-              <a:buChar char="-"/>
-            </a:pPr>
-            <a:r>
-              <a:rPr lang="ko-KR" altLang="en-US" sz="1000" b="1" dirty="0" smtClean="0"/>
-              <a:t>투 포인트 확대 축소 기능을 시간안에 구현하기 어렵다면 하지 않아도 </a:t>
-            </a:r>
-            <a:r>
-              <a:rPr lang="en-US" altLang="ko-KR" sz="1000" b="1" dirty="0" smtClean="0"/>
-              <a:t/>
-            </a:r>
-            <a:br>
-              <a:rPr lang="en-US" altLang="ko-KR" sz="1000" b="1" dirty="0" smtClean="0"/>
-            </a:br>
-            <a:r>
-              <a:rPr lang="ko-KR" altLang="en-US" sz="1000" b="1" dirty="0" smtClean="0"/>
-              <a:t>됩니다</a:t>
-            </a:r>
-            <a:r>
-              <a:rPr lang="en-US" altLang="ko-KR" sz="1000" b="1" dirty="0" smtClean="0"/>
-              <a:t>. (</a:t>
-            </a:r>
-            <a:r>
-              <a:rPr lang="ko-KR" altLang="en-US" sz="1000" b="1" dirty="0" smtClean="0"/>
-              <a:t>컨트롤 패널로만 확대 축소</a:t>
-            </a:r>
-            <a:r>
-              <a:rPr lang="en-US" altLang="ko-KR" sz="1000" b="1" dirty="0" smtClean="0"/>
-              <a:t>)</a:t>
-            </a:r>
-          </a:p>
-          <a:p>
-            <a:pPr marL="171450" indent="-171450">
-              <a:buFontTx/>
-              <a:buChar char="-"/>
-            </a:pPr>
-            <a:endParaRPr lang="en-US" altLang="ko-KR" sz="1000" dirty="0" smtClean="0"/>
-          </a:p>
-          <a:p>
-            <a:r>
-              <a:rPr lang="ko-KR" altLang="en-US" sz="1000" b="1" dirty="0" smtClean="0"/>
-              <a:t>지도 이동</a:t>
-            </a:r>
-            <a:endParaRPr lang="en-US" altLang="ko-KR" sz="1000" b="1" dirty="0" smtClean="0"/>
-          </a:p>
-          <a:p>
-            <a:pPr marL="171450" indent="-171450">
-              <a:buFontTx/>
-              <a:buChar char="-"/>
-            </a:pPr>
-            <a:r>
-              <a:rPr lang="ko-KR" altLang="en-US" sz="1000" dirty="0" smtClean="0"/>
-              <a:t>원 포인트 터치</a:t>
-            </a:r>
-            <a:r>
-              <a:rPr lang="en-US" altLang="ko-KR" sz="1000" dirty="0" smtClean="0"/>
-              <a:t>&amp; </a:t>
-            </a:r>
-            <a:r>
-              <a:rPr lang="ko-KR" altLang="en-US" sz="1000" dirty="0" smtClean="0"/>
-              <a:t>드래그를 통하여 화면 위치 이동 가능합니다</a:t>
-            </a:r>
-            <a:r>
-              <a:rPr lang="en-US" altLang="ko-KR" sz="1000" dirty="0" smtClean="0"/>
-              <a:t>.</a:t>
-            </a:r>
-          </a:p>
-          <a:p>
-            <a:pPr marL="171450" indent="-171450">
-              <a:buFontTx/>
-              <a:buChar char="-"/>
-            </a:pPr>
-            <a:r>
-              <a:rPr lang="ko-KR" altLang="en-US" sz="1000" dirty="0" smtClean="0"/>
-              <a:t>이동은 이미지의 원본크기</a:t>
-            </a:r>
-            <a:r>
-              <a:rPr lang="en-US" altLang="ko-KR" sz="1000" dirty="0" smtClean="0"/>
-              <a:t>(2000*2683) </a:t>
-            </a:r>
-            <a:r>
-              <a:rPr lang="ko-KR" altLang="en-US" sz="1000" dirty="0" smtClean="0"/>
-              <a:t>을 벗어날 수 없습니다</a:t>
-            </a:r>
-            <a:r>
-              <a:rPr lang="en-US" altLang="ko-KR" sz="1000" dirty="0" smtClean="0"/>
-              <a:t>.</a:t>
-            </a:r>
-          </a:p>
-          <a:p>
-            <a:pPr marL="171450" indent="-171450">
-              <a:buFontTx/>
-              <a:buChar char="-"/>
-            </a:pPr>
-            <a:r>
-              <a:rPr lang="en-US" altLang="ko-KR" sz="1000" dirty="0" smtClean="0"/>
-              <a:t>5~8 </a:t>
-            </a:r>
-            <a:r>
-              <a:rPr lang="ko-KR" altLang="en-US" sz="1000" dirty="0" smtClean="0"/>
-              <a:t>단계는 가로 사이즈가 화면 해상도</a:t>
-            </a:r>
-            <a:r>
-              <a:rPr lang="en-US" altLang="ko-KR" sz="1000" dirty="0" smtClean="0"/>
-              <a:t>(1366) </a:t>
-            </a:r>
-            <a:r>
-              <a:rPr lang="ko-KR" altLang="en-US" sz="1000" dirty="0" smtClean="0"/>
-              <a:t>보다 작으므로</a:t>
-            </a:r>
-            <a:r>
-              <a:rPr lang="en-US" altLang="ko-KR" sz="1000" dirty="0" smtClean="0"/>
-              <a:t/>
-            </a:r>
-            <a:br>
-              <a:rPr lang="en-US" altLang="ko-KR" sz="1000" dirty="0" smtClean="0"/>
-            </a:br>
-            <a:r>
-              <a:rPr lang="ko-KR" altLang="en-US" sz="1000" dirty="0" smtClean="0"/>
-              <a:t>가로는 중앙 고정 상태에서 세로 이동만 가능 합니다</a:t>
-            </a:r>
-            <a:r>
-              <a:rPr lang="en-US" altLang="ko-KR" sz="1000" dirty="0" smtClean="0"/>
-              <a:t>.</a:t>
-            </a:r>
-          </a:p>
-          <a:p>
-            <a:pPr marL="171450" indent="-171450">
-              <a:buFontTx/>
-              <a:buChar char="-"/>
-            </a:pPr>
-            <a:r>
-              <a:rPr lang="en-US" altLang="ko-KR" sz="1000" dirty="0" smtClean="0"/>
-              <a:t>9</a:t>
-            </a:r>
-            <a:r>
-              <a:rPr lang="ko-KR" altLang="en-US" sz="1000" dirty="0" smtClean="0"/>
-              <a:t>단계 최소 축소 상태에선 위치 이동 기능이 작동 되지 않습니다</a:t>
-            </a:r>
-            <a:r>
-              <a:rPr lang="en-US" altLang="ko-KR" sz="1000" dirty="0" smtClean="0"/>
-              <a:t>.</a:t>
-            </a:r>
-            <a:br>
-              <a:rPr lang="en-US" altLang="ko-KR" sz="1000" dirty="0" smtClean="0"/>
-            </a:br>
-            <a:r>
-              <a:rPr lang="en-US" altLang="ko-KR" sz="1000" dirty="0" smtClean="0"/>
-              <a:t>(</a:t>
-            </a:r>
-            <a:r>
-              <a:rPr lang="ko-KR" altLang="en-US" sz="1000" dirty="0" smtClean="0"/>
-              <a:t>최소 축소 상태는 중앙 자동 고정 부탁드립니다</a:t>
-            </a:r>
-            <a:r>
-              <a:rPr lang="en-US" altLang="ko-KR" sz="1000" dirty="0" smtClean="0"/>
-              <a:t>)</a:t>
-            </a:r>
-            <a:endParaRPr lang="en-US" altLang="ko-KR" sz="1000" dirty="0"/>
-          </a:p>
-          <a:p>
-            <a:endParaRPr lang="en-US" altLang="ko-KR" sz="1000" dirty="0" smtClean="0"/>
-          </a:p>
-          <a:p>
-            <a:r>
-              <a:rPr lang="ko-KR" altLang="en-US" sz="1000" b="1" dirty="0" smtClean="0"/>
-              <a:t>아이콘 처리</a:t>
-            </a:r>
-            <a:endParaRPr lang="en-US" altLang="ko-KR" sz="1000" b="1" dirty="0" smtClean="0"/>
-          </a:p>
-          <a:p>
-            <a:pPr marL="171450" indent="-171450">
-              <a:buFontTx/>
-              <a:buChar char="-"/>
-            </a:pPr>
-            <a:r>
-              <a:rPr lang="ko-KR" altLang="en-US" sz="1000" dirty="0" smtClean="0"/>
-              <a:t>아이콘은 </a:t>
-            </a:r>
-            <a:r>
-              <a:rPr lang="en-US" altLang="ko-KR" sz="1000" dirty="0" smtClean="0"/>
-              <a:t>BG</a:t>
-            </a:r>
-            <a:r>
-              <a:rPr lang="ko-KR" altLang="en-US" sz="1000" dirty="0" smtClean="0"/>
-              <a:t>위에 고정 상태로 같이 확대 축소 됩니다</a:t>
-            </a:r>
-            <a:r>
-              <a:rPr lang="en-US" altLang="ko-KR" sz="1000" dirty="0" smtClean="0"/>
-              <a:t>.</a:t>
-            </a:r>
-          </a:p>
-          <a:p>
-            <a:endParaRPr lang="en-US" altLang="ko-KR" sz="1000" dirty="0" smtClean="0"/>
-          </a:p>
-          <a:p>
-            <a:r>
-              <a:rPr lang="en-US" altLang="ko-KR" sz="1000" b="1" dirty="0" smtClean="0"/>
-              <a:t>BG</a:t>
-            </a:r>
-            <a:r>
-              <a:rPr lang="ko-KR" altLang="en-US" sz="1000" b="1" dirty="0" smtClean="0"/>
-              <a:t>컬러 처리</a:t>
-            </a:r>
-            <a:endParaRPr lang="en-US" altLang="ko-KR" sz="1000" b="1" dirty="0"/>
-          </a:p>
-          <a:p>
-            <a:pPr marL="171450" indent="-171450">
-              <a:buFontTx/>
-              <a:buChar char="-"/>
-            </a:pPr>
-            <a:r>
-              <a:rPr lang="en-US" altLang="ko-KR" sz="1000" dirty="0" smtClean="0"/>
-              <a:t>BG </a:t>
-            </a:r>
-            <a:r>
-              <a:rPr lang="ko-KR" altLang="en-US" sz="1000" dirty="0" smtClean="0"/>
-              <a:t>지도 이미지뒤 색상은 화이트 </a:t>
-            </a:r>
-            <a:r>
-              <a:rPr lang="en-US" altLang="ko-KR" sz="1000" dirty="0" smtClean="0"/>
-              <a:t>(#FFFFFFF) </a:t>
-            </a:r>
-            <a:r>
-              <a:rPr lang="ko-KR" altLang="en-US" sz="1000" dirty="0" smtClean="0"/>
-              <a:t>처리 부탁드립니다</a:t>
-            </a:r>
-            <a:r>
-              <a:rPr lang="en-US" altLang="ko-KR" sz="1000" dirty="0"/>
-              <a:t>.</a:t>
-            </a:r>
-            <a:endParaRPr lang="en-US" altLang="ko-KR" sz="1000" dirty="0" smtClean="0"/>
-          </a:p>
-        </p:txBody>
-      </p:sp>
-    </p:spTree>
-  </p:cSld>
-  <p:clrMapOvr>
-    <a:masterClrMapping/>
-  </p:clrMapOvr>
-</p:sld>
-</file>
-
-<file path=ppt/slides/slide6.xml><?xml version="1.0" encoding="utf-8"?>
 <p:sld xmlns:a="http://schemas.openxmlformats.org/drawingml/2006/main" xmlns:r="http://schemas.openxmlformats.org/officeDocument/2006/relationships" xmlns:p="http://schemas.openxmlformats.org/presentationml/2006/main">
   <p:cSld>
     <p:spTree>
